--- a/WIP/Users/NGHIADTSE03220/WingS_Slide_v1.0.pptx
+++ b/WIP/Users/NGHIADTSE03220/WingS_Slide_v1.0.pptx
@@ -5,7 +5,7 @@
     <p:sldMasterId id="2147483648" r:id="rId1"/>
   </p:sldMasterIdLst>
   <p:notesMasterIdLst>
-    <p:notesMasterId r:id="rId15"/>
+    <p:notesMasterId r:id="rId16"/>
   </p:notesMasterIdLst>
   <p:sldIdLst>
     <p:sldId id="256" r:id="rId2"/>
@@ -17,15 +17,16 @@
     <p:sldId id="267" r:id="rId8"/>
     <p:sldId id="268" r:id="rId9"/>
     <p:sldId id="269" r:id="rId10"/>
-    <p:sldId id="263" r:id="rId11"/>
-    <p:sldId id="264" r:id="rId12"/>
-    <p:sldId id="265" r:id="rId13"/>
-    <p:sldId id="266" r:id="rId14"/>
+    <p:sldId id="270" r:id="rId11"/>
+    <p:sldId id="263" r:id="rId12"/>
+    <p:sldId id="264" r:id="rId13"/>
+    <p:sldId id="265" r:id="rId14"/>
+    <p:sldId id="266" r:id="rId15"/>
   </p:sldIdLst>
   <p:sldSz cx="12192000" cy="6858000"/>
   <p:notesSz cx="6858000" cy="9144000"/>
   <p:custDataLst>
-    <p:tags r:id="rId16"/>
+    <p:tags r:id="rId17"/>
   </p:custDataLst>
   <p:defaultTextStyle>
     <a:defPPr>
@@ -136,6 +137,7 @@
             <p14:sldId id="267"/>
             <p14:sldId id="268"/>
             <p14:sldId id="269"/>
+            <p14:sldId id="270"/>
           </p14:sldIdLst>
         </p14:section>
         <p14:section name="Tabbed Quiz" id="{E0BCE31F-127C-437D-93CD-44553E8F8C41}">
@@ -674,7 +676,7 @@
     </p:spTree>
     <p:extLst>
       <p:ext uri="{BB962C8B-B14F-4D97-AF65-F5344CB8AC3E}">
-        <p14:creationId xmlns:p14="http://schemas.microsoft.com/office/powerpoint/2010/main" val="1803039681"/>
+        <p14:creationId xmlns:p14="http://schemas.microsoft.com/office/powerpoint/2010/main" val="3508702485"/>
       </p:ext>
     </p:extLst>
   </p:cSld>
@@ -758,7 +760,7 @@
     </p:spTree>
     <p:extLst>
       <p:ext uri="{BB962C8B-B14F-4D97-AF65-F5344CB8AC3E}">
-        <p14:creationId xmlns:p14="http://schemas.microsoft.com/office/powerpoint/2010/main" val="749705640"/>
+        <p14:creationId xmlns:p14="http://schemas.microsoft.com/office/powerpoint/2010/main" val="1803039681"/>
       </p:ext>
     </p:extLst>
   </p:cSld>
@@ -842,7 +844,7 @@
     </p:spTree>
     <p:extLst>
       <p:ext uri="{BB962C8B-B14F-4D97-AF65-F5344CB8AC3E}">
-        <p14:creationId xmlns:p14="http://schemas.microsoft.com/office/powerpoint/2010/main" val="4016273390"/>
+        <p14:creationId xmlns:p14="http://schemas.microsoft.com/office/powerpoint/2010/main" val="749705640"/>
       </p:ext>
     </p:extLst>
   </p:cSld>
@@ -918,6 +920,90 @@
             <a:fld id="{913C5A9D-04BC-4008-9B86-88744FF63EC1}" type="slidenum">
               <a:rPr lang="en-US" smtClean="0"/>
               <a:t>13</a:t>
+            </a:fld>
+            <a:endParaRPr lang="en-US"/>
+          </a:p>
+        </p:txBody>
+      </p:sp>
+    </p:spTree>
+    <p:extLst>
+      <p:ext uri="{BB962C8B-B14F-4D97-AF65-F5344CB8AC3E}">
+        <p14:creationId xmlns:p14="http://schemas.microsoft.com/office/powerpoint/2010/main" val="4016273390"/>
+      </p:ext>
+    </p:extLst>
+  </p:cSld>
+  <p:clrMapOvr>
+    <a:masterClrMapping/>
+  </p:clrMapOvr>
+</p:notes>
+</file>
+
+<file path=ppt/notesSlides/notesSlide14.xml><?xml version="1.0" encoding="utf-8"?>
+<p:notes xmlns:a="http://schemas.openxmlformats.org/drawingml/2006/main" xmlns:r="http://schemas.openxmlformats.org/officeDocument/2006/relationships" xmlns:p="http://schemas.openxmlformats.org/presentationml/2006/main">
+  <p:cSld>
+    <p:spTree>
+      <p:nvGrpSpPr>
+        <p:cNvPr id="1" name=""/>
+        <p:cNvGrpSpPr/>
+        <p:nvPr/>
+      </p:nvGrpSpPr>
+      <p:grpSpPr>
+        <a:xfrm>
+          <a:off x="0" y="0"/>
+          <a:ext cx="0" cy="0"/>
+          <a:chOff x="0" y="0"/>
+          <a:chExt cx="0" cy="0"/>
+        </a:xfrm>
+      </p:grpSpPr>
+      <p:sp>
+        <p:nvSpPr>
+          <p:cNvPr id="2" name="Slide Image Placeholder 1"/>
+          <p:cNvSpPr>
+            <a:spLocks noGrp="1" noRot="1" noChangeAspect="1"/>
+          </p:cNvSpPr>
+          <p:nvPr>
+            <p:ph type="sldImg"/>
+          </p:nvPr>
+        </p:nvSpPr>
+        <p:spPr/>
+      </p:sp>
+      <p:sp>
+        <p:nvSpPr>
+          <p:cNvPr id="3" name="Notes Placeholder 2"/>
+          <p:cNvSpPr>
+            <a:spLocks noGrp="1"/>
+          </p:cNvSpPr>
+          <p:nvPr>
+            <p:ph type="body" idx="1"/>
+          </p:nvPr>
+        </p:nvSpPr>
+        <p:spPr/>
+        <p:txBody>
+          <a:bodyPr/>
+          <a:lstStyle/>
+          <a:p>
+            <a:endParaRPr lang="en-US"/>
+          </a:p>
+        </p:txBody>
+      </p:sp>
+      <p:sp>
+        <p:nvSpPr>
+          <p:cNvPr id="4" name="Slide Number Placeholder 3"/>
+          <p:cNvSpPr>
+            <a:spLocks noGrp="1"/>
+          </p:cNvSpPr>
+          <p:nvPr>
+            <p:ph type="sldNum" sz="quarter" idx="10"/>
+          </p:nvPr>
+        </p:nvSpPr>
+        <p:spPr/>
+        <p:txBody>
+          <a:bodyPr/>
+          <a:lstStyle/>
+          <a:p>
+            <a:fld id="{913C5A9D-04BC-4008-9B86-88744FF63EC1}" type="slidenum">
+              <a:rPr lang="en-US" smtClean="0"/>
+              <a:t>14</a:t>
             </a:fld>
             <a:endParaRPr lang="en-US"/>
           </a:p>
@@ -6658,6 +6744,1283 @@
 <file path=ppt/slides/slide10.xml><?xml version="1.0" encoding="utf-8"?>
 <p:sld xmlns:a="http://schemas.openxmlformats.org/drawingml/2006/main" xmlns:r="http://schemas.openxmlformats.org/officeDocument/2006/relationships" xmlns:p="http://schemas.openxmlformats.org/presentationml/2006/main">
   <p:cSld>
+    <p:spTree>
+      <p:nvGrpSpPr>
+        <p:cNvPr id="1" name=""/>
+        <p:cNvGrpSpPr/>
+        <p:nvPr/>
+      </p:nvGrpSpPr>
+      <p:grpSpPr>
+        <a:xfrm>
+          <a:off x="0" y="0"/>
+          <a:ext cx="0" cy="0"/>
+          <a:chOff x="0" y="0"/>
+          <a:chExt cx="0" cy="0"/>
+        </a:xfrm>
+      </p:grpSpPr>
+      <p:sp>
+        <p:nvSpPr>
+          <p:cNvPr id="4" name="Freeform 3"/>
+          <p:cNvSpPr/>
+          <p:nvPr/>
+        </p:nvSpPr>
+        <p:spPr>
+          <a:xfrm rot="16200000">
+            <a:off x="-2031169" y="2651760"/>
+            <a:ext cx="6400800" cy="1618488"/>
+          </a:xfrm>
+          <a:custGeom>
+            <a:avLst/>
+            <a:gdLst>
+              <a:gd name="connsiteX0" fmla="*/ 0 w 12192000"/>
+              <a:gd name="connsiteY0" fmla="*/ 0 h 1613647"/>
+              <a:gd name="connsiteX1" fmla="*/ 12192000 w 12192000"/>
+              <a:gd name="connsiteY1" fmla="*/ 0 h 1613647"/>
+              <a:gd name="connsiteX2" fmla="*/ 12192000 w 12192000"/>
+              <a:gd name="connsiteY2" fmla="*/ 1613647 h 1613647"/>
+              <a:gd name="connsiteX3" fmla="*/ 8994962 w 12192000"/>
+              <a:gd name="connsiteY3" fmla="*/ 1613647 h 1613647"/>
+              <a:gd name="connsiteX4" fmla="*/ 8850405 w 12192000"/>
+              <a:gd name="connsiteY4" fmla="*/ 1405216 h 1613647"/>
+              <a:gd name="connsiteX5" fmla="*/ 8705848 w 12192000"/>
+              <a:gd name="connsiteY5" fmla="*/ 1613647 h 1613647"/>
+              <a:gd name="connsiteX6" fmla="*/ 0 w 12192000"/>
+              <a:gd name="connsiteY6" fmla="*/ 1613647 h 1613647"/>
+            </a:gdLst>
+            <a:ahLst/>
+            <a:cxnLst>
+              <a:cxn ang="0">
+                <a:pos x="connsiteX0" y="connsiteY0"/>
+              </a:cxn>
+              <a:cxn ang="0">
+                <a:pos x="connsiteX1" y="connsiteY1"/>
+              </a:cxn>
+              <a:cxn ang="0">
+                <a:pos x="connsiteX2" y="connsiteY2"/>
+              </a:cxn>
+              <a:cxn ang="0">
+                <a:pos x="connsiteX3" y="connsiteY3"/>
+              </a:cxn>
+              <a:cxn ang="0">
+                <a:pos x="connsiteX4" y="connsiteY4"/>
+              </a:cxn>
+              <a:cxn ang="0">
+                <a:pos x="connsiteX5" y="connsiteY5"/>
+              </a:cxn>
+              <a:cxn ang="0">
+                <a:pos x="connsiteX6" y="connsiteY6"/>
+              </a:cxn>
+            </a:cxnLst>
+            <a:rect l="l" t="t" r="r" b="b"/>
+            <a:pathLst>
+              <a:path w="12192000" h="1613647">
+                <a:moveTo>
+                  <a:pt x="0" y="0"/>
+                </a:moveTo>
+                <a:lnTo>
+                  <a:pt x="12192000" y="0"/>
+                </a:lnTo>
+                <a:lnTo>
+                  <a:pt x="12192000" y="1613647"/>
+                </a:lnTo>
+                <a:lnTo>
+                  <a:pt x="8994962" y="1613647"/>
+                </a:lnTo>
+                <a:lnTo>
+                  <a:pt x="8850405" y="1405216"/>
+                </a:lnTo>
+                <a:lnTo>
+                  <a:pt x="8705848" y="1613647"/>
+                </a:lnTo>
+                <a:lnTo>
+                  <a:pt x="0" y="1613647"/>
+                </a:lnTo>
+                <a:close/>
+              </a:path>
+            </a:pathLst>
+          </a:custGeom>
+          <a:solidFill>
+            <a:schemeClr val="bg1"/>
+          </a:solidFill>
+          <a:ln>
+            <a:noFill/>
+          </a:ln>
+          <a:effectLst>
+            <a:outerShdw blurRad="50800" dist="38100" dir="5400000" algn="t" rotWithShape="0">
+              <a:schemeClr val="bg2">
+                <a:lumMod val="75000"/>
+                <a:alpha val="40000"/>
+              </a:schemeClr>
+            </a:outerShdw>
+          </a:effectLst>
+        </p:spPr>
+        <p:style>
+          <a:lnRef idx="2">
+            <a:schemeClr val="accent1">
+              <a:shade val="50000"/>
+            </a:schemeClr>
+          </a:lnRef>
+          <a:fillRef idx="1">
+            <a:schemeClr val="accent1"/>
+          </a:fillRef>
+          <a:effectRef idx="0">
+            <a:schemeClr val="accent1"/>
+          </a:effectRef>
+          <a:fontRef idx="minor">
+            <a:schemeClr val="lt1"/>
+          </a:fontRef>
+        </p:style>
+        <p:txBody>
+          <a:bodyPr rtlCol="0" anchor="ctr"/>
+          <a:lstStyle/>
+          <a:p>
+            <a:pPr algn="ctr"/>
+            <a:endParaRPr lang="en-US"/>
+          </a:p>
+        </p:txBody>
+      </p:sp>
+      <p:sp>
+        <p:nvSpPr>
+          <p:cNvPr id="6" name="Rectangle 5"/>
+          <p:cNvSpPr/>
+          <p:nvPr/>
+        </p:nvSpPr>
+        <p:spPr>
+          <a:xfrm>
+            <a:off x="2157412" y="260604"/>
+            <a:ext cx="9558337" cy="6400800"/>
+          </a:xfrm>
+          <a:prstGeom prst="rect">
+            <a:avLst/>
+          </a:prstGeom>
+          <a:solidFill>
+            <a:srgbClr val="FFFFFF"/>
+          </a:solidFill>
+          <a:ln>
+            <a:noFill/>
+          </a:ln>
+          <a:effectLst>
+            <a:outerShdw blurRad="50800" dist="38100" dir="2700000" algn="tl" rotWithShape="0">
+              <a:schemeClr val="bg2">
+                <a:lumMod val="75000"/>
+                <a:alpha val="40000"/>
+              </a:schemeClr>
+            </a:outerShdw>
+          </a:effectLst>
+        </p:spPr>
+        <p:style>
+          <a:lnRef idx="2">
+            <a:schemeClr val="accent1">
+              <a:shade val="50000"/>
+            </a:schemeClr>
+          </a:lnRef>
+          <a:fillRef idx="1">
+            <a:schemeClr val="accent1"/>
+          </a:fillRef>
+          <a:effectRef idx="0">
+            <a:schemeClr val="accent1"/>
+          </a:effectRef>
+          <a:fontRef idx="minor">
+            <a:schemeClr val="lt1"/>
+          </a:fontRef>
+        </p:style>
+        <p:txBody>
+          <a:bodyPr rtlCol="0" anchor="ctr"/>
+          <a:lstStyle/>
+          <a:p>
+            <a:pPr algn="ctr"/>
+            <a:endParaRPr lang="en-US"/>
+          </a:p>
+        </p:txBody>
+      </p:sp>
+      <p:sp>
+        <p:nvSpPr>
+          <p:cNvPr id="7" name="Rectangle 6"/>
+          <p:cNvSpPr/>
+          <p:nvPr/>
+        </p:nvSpPr>
+        <p:spPr>
+          <a:xfrm>
+            <a:off x="2157412" y="260604"/>
+            <a:ext cx="285751" cy="6400800"/>
+          </a:xfrm>
+          <a:prstGeom prst="rect">
+            <a:avLst/>
+          </a:prstGeom>
+          <a:ln>
+            <a:noFill/>
+          </a:ln>
+        </p:spPr>
+        <p:style>
+          <a:lnRef idx="2">
+            <a:schemeClr val="accent1">
+              <a:shade val="50000"/>
+            </a:schemeClr>
+          </a:lnRef>
+          <a:fillRef idx="1">
+            <a:schemeClr val="accent1"/>
+          </a:fillRef>
+          <a:effectRef idx="0">
+            <a:schemeClr val="accent1"/>
+          </a:effectRef>
+          <a:fontRef idx="minor">
+            <a:schemeClr val="lt1"/>
+          </a:fontRef>
+        </p:style>
+        <p:txBody>
+          <a:bodyPr rtlCol="0" anchor="ctr"/>
+          <a:lstStyle/>
+          <a:p>
+            <a:pPr algn="ctr"/>
+            <a:endParaRPr lang="en-US"/>
+          </a:p>
+        </p:txBody>
+      </p:sp>
+      <p:sp>
+        <p:nvSpPr>
+          <p:cNvPr id="8" name="Multiply 7">
+            <a:hlinkClick r:id="rId4" action="ppaction://hlinksldjump"/>
+          </p:cNvPr>
+          <p:cNvSpPr/>
+          <p:nvPr/>
+        </p:nvSpPr>
+        <p:spPr>
+          <a:xfrm>
+            <a:off x="11101388" y="300033"/>
+            <a:ext cx="471487" cy="457200"/>
+          </a:xfrm>
+          <a:prstGeom prst="mathMultiply">
+            <a:avLst>
+              <a:gd name="adj1" fmla="val 11615"/>
+            </a:avLst>
+          </a:prstGeom>
+          <a:solidFill>
+            <a:srgbClr val="92A8D1"/>
+          </a:solidFill>
+          <a:ln>
+            <a:noFill/>
+          </a:ln>
+        </p:spPr>
+        <p:style>
+          <a:lnRef idx="2">
+            <a:schemeClr val="accent1">
+              <a:shade val="50000"/>
+            </a:schemeClr>
+          </a:lnRef>
+          <a:fillRef idx="1">
+            <a:schemeClr val="accent1"/>
+          </a:fillRef>
+          <a:effectRef idx="0">
+            <a:schemeClr val="accent1"/>
+          </a:effectRef>
+          <a:fontRef idx="minor">
+            <a:schemeClr val="lt1"/>
+          </a:fontRef>
+        </p:style>
+        <p:txBody>
+          <a:bodyPr rtlCol="0" anchor="ctr"/>
+          <a:lstStyle/>
+          <a:p>
+            <a:pPr algn="ctr"/>
+            <a:endParaRPr lang="en-US"/>
+          </a:p>
+        </p:txBody>
+      </p:sp>
+      <p:sp>
+        <p:nvSpPr>
+          <p:cNvPr id="9" name="TextBox 8"/>
+          <p:cNvSpPr txBox="1"/>
+          <p:nvPr/>
+        </p:nvSpPr>
+        <p:spPr>
+          <a:xfrm>
+            <a:off x="2622101" y="704865"/>
+            <a:ext cx="5029204" cy="584775"/>
+          </a:xfrm>
+          <a:prstGeom prst="rect">
+            <a:avLst/>
+          </a:prstGeom>
+          <a:noFill/>
+        </p:spPr>
+        <p:txBody>
+          <a:bodyPr wrap="square" rtlCol="0">
+            <a:spAutoFit/>
+          </a:bodyPr>
+          <a:lstStyle/>
+          <a:p>
+            <a:r>
+              <a:rPr lang="en-US" sz="3200" dirty="0" smtClean="0">
+                <a:solidFill>
+                  <a:schemeClr val="tx1">
+                    <a:lumMod val="50000"/>
+                    <a:lumOff val="50000"/>
+                  </a:schemeClr>
+                </a:solidFill>
+                <a:latin typeface="Roboto Condensed" panose="02000000000000000000" pitchFamily="2" charset="0"/>
+                <a:ea typeface="Roboto Condensed" panose="02000000000000000000" pitchFamily="2" charset="0"/>
+                <a:cs typeface="Roboto Condensed" panose="02000000000000000000" pitchFamily="2" charset="0"/>
+              </a:rPr>
+              <a:t>Tab Topic Title</a:t>
+            </a:r>
+            <a:endParaRPr lang="en-US" sz="3200" dirty="0">
+              <a:solidFill>
+                <a:schemeClr val="tx1">
+                  <a:lumMod val="50000"/>
+                  <a:lumOff val="50000"/>
+                </a:schemeClr>
+              </a:solidFill>
+              <a:latin typeface="Roboto Condensed" panose="02000000000000000000" pitchFamily="2" charset="0"/>
+              <a:ea typeface="Roboto Condensed" panose="02000000000000000000" pitchFamily="2" charset="0"/>
+              <a:cs typeface="Roboto Condensed" panose="02000000000000000000" pitchFamily="2" charset="0"/>
+            </a:endParaRPr>
+          </a:p>
+        </p:txBody>
+      </p:sp>
+      <p:sp>
+        <p:nvSpPr>
+          <p:cNvPr id="10" name="TextBox 9"/>
+          <p:cNvSpPr txBox="1"/>
+          <p:nvPr/>
+        </p:nvSpPr>
+        <p:spPr>
+          <a:xfrm>
+            <a:off x="2622099" y="1289640"/>
+            <a:ext cx="8950775" cy="923330"/>
+          </a:xfrm>
+          <a:prstGeom prst="rect">
+            <a:avLst/>
+          </a:prstGeom>
+          <a:noFill/>
+        </p:spPr>
+        <p:txBody>
+          <a:bodyPr wrap="square" rtlCol="0">
+            <a:spAutoFit/>
+          </a:bodyPr>
+          <a:lstStyle/>
+          <a:p>
+            <a:r>
+              <a:rPr lang="en-US" dirty="0">
+                <a:solidFill>
+                  <a:schemeClr val="tx1">
+                    <a:lumMod val="50000"/>
+                    <a:lumOff val="50000"/>
+                  </a:schemeClr>
+                </a:solidFill>
+                <a:latin typeface="Roboto Condensed Light" panose="02000000000000000000" pitchFamily="2" charset="0"/>
+                <a:ea typeface="Roboto Condensed Light" panose="02000000000000000000" pitchFamily="2" charset="0"/>
+                <a:cs typeface="Roboto Condensed Light" panose="02000000000000000000" pitchFamily="2" charset="0"/>
+              </a:rPr>
+              <a:t>Lorem ipsum dolor sit </a:t>
+            </a:r>
+            <a:r>
+              <a:rPr lang="en-US" dirty="0" err="1">
+                <a:solidFill>
+                  <a:schemeClr val="tx1">
+                    <a:lumMod val="50000"/>
+                    <a:lumOff val="50000"/>
+                  </a:schemeClr>
+                </a:solidFill>
+                <a:latin typeface="Roboto Condensed Light" panose="02000000000000000000" pitchFamily="2" charset="0"/>
+                <a:ea typeface="Roboto Condensed Light" panose="02000000000000000000" pitchFamily="2" charset="0"/>
+                <a:cs typeface="Roboto Condensed Light" panose="02000000000000000000" pitchFamily="2" charset="0"/>
+              </a:rPr>
+              <a:t>amet</a:t>
+            </a:r>
+            <a:r>
+              <a:rPr lang="en-US" dirty="0">
+                <a:solidFill>
+                  <a:schemeClr val="tx1">
+                    <a:lumMod val="50000"/>
+                    <a:lumOff val="50000"/>
+                  </a:schemeClr>
+                </a:solidFill>
+                <a:latin typeface="Roboto Condensed Light" panose="02000000000000000000" pitchFamily="2" charset="0"/>
+                <a:ea typeface="Roboto Condensed Light" panose="02000000000000000000" pitchFamily="2" charset="0"/>
+                <a:cs typeface="Roboto Condensed Light" panose="02000000000000000000" pitchFamily="2" charset="0"/>
+              </a:rPr>
+              <a:t>, </a:t>
+            </a:r>
+            <a:r>
+              <a:rPr lang="en-US" dirty="0" err="1">
+                <a:solidFill>
+                  <a:schemeClr val="tx1">
+                    <a:lumMod val="50000"/>
+                    <a:lumOff val="50000"/>
+                  </a:schemeClr>
+                </a:solidFill>
+                <a:latin typeface="Roboto Condensed Light" panose="02000000000000000000" pitchFamily="2" charset="0"/>
+                <a:ea typeface="Roboto Condensed Light" panose="02000000000000000000" pitchFamily="2" charset="0"/>
+                <a:cs typeface="Roboto Condensed Light" panose="02000000000000000000" pitchFamily="2" charset="0"/>
+              </a:rPr>
+              <a:t>consectetur</a:t>
+            </a:r>
+            <a:r>
+              <a:rPr lang="en-US" dirty="0">
+                <a:solidFill>
+                  <a:schemeClr val="tx1">
+                    <a:lumMod val="50000"/>
+                    <a:lumOff val="50000"/>
+                  </a:schemeClr>
+                </a:solidFill>
+                <a:latin typeface="Roboto Condensed Light" panose="02000000000000000000" pitchFamily="2" charset="0"/>
+                <a:ea typeface="Roboto Condensed Light" panose="02000000000000000000" pitchFamily="2" charset="0"/>
+                <a:cs typeface="Roboto Condensed Light" panose="02000000000000000000" pitchFamily="2" charset="0"/>
+              </a:rPr>
+              <a:t> </a:t>
+            </a:r>
+            <a:r>
+              <a:rPr lang="en-US" dirty="0" err="1">
+                <a:solidFill>
+                  <a:schemeClr val="tx1">
+                    <a:lumMod val="50000"/>
+                    <a:lumOff val="50000"/>
+                  </a:schemeClr>
+                </a:solidFill>
+                <a:latin typeface="Roboto Condensed Light" panose="02000000000000000000" pitchFamily="2" charset="0"/>
+                <a:ea typeface="Roboto Condensed Light" panose="02000000000000000000" pitchFamily="2" charset="0"/>
+                <a:cs typeface="Roboto Condensed Light" panose="02000000000000000000" pitchFamily="2" charset="0"/>
+              </a:rPr>
+              <a:t>adipiscing</a:t>
+            </a:r>
+            <a:r>
+              <a:rPr lang="en-US" dirty="0">
+                <a:solidFill>
+                  <a:schemeClr val="tx1">
+                    <a:lumMod val="50000"/>
+                    <a:lumOff val="50000"/>
+                  </a:schemeClr>
+                </a:solidFill>
+                <a:latin typeface="Roboto Condensed Light" panose="02000000000000000000" pitchFamily="2" charset="0"/>
+                <a:ea typeface="Roboto Condensed Light" panose="02000000000000000000" pitchFamily="2" charset="0"/>
+                <a:cs typeface="Roboto Condensed Light" panose="02000000000000000000" pitchFamily="2" charset="0"/>
+              </a:rPr>
+              <a:t> </a:t>
+            </a:r>
+            <a:r>
+              <a:rPr lang="en-US" dirty="0" err="1">
+                <a:solidFill>
+                  <a:schemeClr val="tx1">
+                    <a:lumMod val="50000"/>
+                    <a:lumOff val="50000"/>
+                  </a:schemeClr>
+                </a:solidFill>
+                <a:latin typeface="Roboto Condensed Light" panose="02000000000000000000" pitchFamily="2" charset="0"/>
+                <a:ea typeface="Roboto Condensed Light" panose="02000000000000000000" pitchFamily="2" charset="0"/>
+                <a:cs typeface="Roboto Condensed Light" panose="02000000000000000000" pitchFamily="2" charset="0"/>
+              </a:rPr>
+              <a:t>elit</a:t>
+            </a:r>
+            <a:r>
+              <a:rPr lang="en-US" dirty="0">
+                <a:solidFill>
+                  <a:schemeClr val="tx1">
+                    <a:lumMod val="50000"/>
+                    <a:lumOff val="50000"/>
+                  </a:schemeClr>
+                </a:solidFill>
+                <a:latin typeface="Roboto Condensed Light" panose="02000000000000000000" pitchFamily="2" charset="0"/>
+                <a:ea typeface="Roboto Condensed Light" panose="02000000000000000000" pitchFamily="2" charset="0"/>
+                <a:cs typeface="Roboto Condensed Light" panose="02000000000000000000" pitchFamily="2" charset="0"/>
+              </a:rPr>
+              <a:t>, </a:t>
+            </a:r>
+            <a:r>
+              <a:rPr lang="en-US" dirty="0" err="1">
+                <a:solidFill>
+                  <a:schemeClr val="tx1">
+                    <a:lumMod val="50000"/>
+                    <a:lumOff val="50000"/>
+                  </a:schemeClr>
+                </a:solidFill>
+                <a:latin typeface="Roboto Condensed Light" panose="02000000000000000000" pitchFamily="2" charset="0"/>
+                <a:ea typeface="Roboto Condensed Light" panose="02000000000000000000" pitchFamily="2" charset="0"/>
+                <a:cs typeface="Roboto Condensed Light" panose="02000000000000000000" pitchFamily="2" charset="0"/>
+              </a:rPr>
+              <a:t>sed</a:t>
+            </a:r>
+            <a:r>
+              <a:rPr lang="en-US" dirty="0">
+                <a:solidFill>
+                  <a:schemeClr val="tx1">
+                    <a:lumMod val="50000"/>
+                    <a:lumOff val="50000"/>
+                  </a:schemeClr>
+                </a:solidFill>
+                <a:latin typeface="Roboto Condensed Light" panose="02000000000000000000" pitchFamily="2" charset="0"/>
+                <a:ea typeface="Roboto Condensed Light" panose="02000000000000000000" pitchFamily="2" charset="0"/>
+                <a:cs typeface="Roboto Condensed Light" panose="02000000000000000000" pitchFamily="2" charset="0"/>
+              </a:rPr>
+              <a:t> do </a:t>
+            </a:r>
+            <a:r>
+              <a:rPr lang="en-US" dirty="0" err="1">
+                <a:solidFill>
+                  <a:schemeClr val="tx1">
+                    <a:lumMod val="50000"/>
+                    <a:lumOff val="50000"/>
+                  </a:schemeClr>
+                </a:solidFill>
+                <a:latin typeface="Roboto Condensed Light" panose="02000000000000000000" pitchFamily="2" charset="0"/>
+                <a:ea typeface="Roboto Condensed Light" panose="02000000000000000000" pitchFamily="2" charset="0"/>
+                <a:cs typeface="Roboto Condensed Light" panose="02000000000000000000" pitchFamily="2" charset="0"/>
+              </a:rPr>
+              <a:t>eiusmod</a:t>
+            </a:r>
+            <a:r>
+              <a:rPr lang="en-US" dirty="0">
+                <a:solidFill>
+                  <a:schemeClr val="tx1">
+                    <a:lumMod val="50000"/>
+                    <a:lumOff val="50000"/>
+                  </a:schemeClr>
+                </a:solidFill>
+                <a:latin typeface="Roboto Condensed Light" panose="02000000000000000000" pitchFamily="2" charset="0"/>
+                <a:ea typeface="Roboto Condensed Light" panose="02000000000000000000" pitchFamily="2" charset="0"/>
+                <a:cs typeface="Roboto Condensed Light" panose="02000000000000000000" pitchFamily="2" charset="0"/>
+              </a:rPr>
+              <a:t> </a:t>
+            </a:r>
+            <a:r>
+              <a:rPr lang="en-US" dirty="0" err="1">
+                <a:solidFill>
+                  <a:schemeClr val="tx1">
+                    <a:lumMod val="50000"/>
+                    <a:lumOff val="50000"/>
+                  </a:schemeClr>
+                </a:solidFill>
+                <a:latin typeface="Roboto Condensed Light" panose="02000000000000000000" pitchFamily="2" charset="0"/>
+                <a:ea typeface="Roboto Condensed Light" panose="02000000000000000000" pitchFamily="2" charset="0"/>
+                <a:cs typeface="Roboto Condensed Light" panose="02000000000000000000" pitchFamily="2" charset="0"/>
+              </a:rPr>
+              <a:t>tempor</a:t>
+            </a:r>
+            <a:r>
+              <a:rPr lang="en-US" dirty="0">
+                <a:solidFill>
+                  <a:schemeClr val="tx1">
+                    <a:lumMod val="50000"/>
+                    <a:lumOff val="50000"/>
+                  </a:schemeClr>
+                </a:solidFill>
+                <a:latin typeface="Roboto Condensed Light" panose="02000000000000000000" pitchFamily="2" charset="0"/>
+                <a:ea typeface="Roboto Condensed Light" panose="02000000000000000000" pitchFamily="2" charset="0"/>
+                <a:cs typeface="Roboto Condensed Light" panose="02000000000000000000" pitchFamily="2" charset="0"/>
+              </a:rPr>
+              <a:t> </a:t>
+            </a:r>
+            <a:r>
+              <a:rPr lang="en-US" dirty="0" err="1">
+                <a:solidFill>
+                  <a:schemeClr val="tx1">
+                    <a:lumMod val="50000"/>
+                    <a:lumOff val="50000"/>
+                  </a:schemeClr>
+                </a:solidFill>
+                <a:latin typeface="Roboto Condensed Light" panose="02000000000000000000" pitchFamily="2" charset="0"/>
+                <a:ea typeface="Roboto Condensed Light" panose="02000000000000000000" pitchFamily="2" charset="0"/>
+                <a:cs typeface="Roboto Condensed Light" panose="02000000000000000000" pitchFamily="2" charset="0"/>
+              </a:rPr>
+              <a:t>incididunt</a:t>
+            </a:r>
+            <a:r>
+              <a:rPr lang="en-US" dirty="0">
+                <a:solidFill>
+                  <a:schemeClr val="tx1">
+                    <a:lumMod val="50000"/>
+                    <a:lumOff val="50000"/>
+                  </a:schemeClr>
+                </a:solidFill>
+                <a:latin typeface="Roboto Condensed Light" panose="02000000000000000000" pitchFamily="2" charset="0"/>
+                <a:ea typeface="Roboto Condensed Light" panose="02000000000000000000" pitchFamily="2" charset="0"/>
+                <a:cs typeface="Roboto Condensed Light" panose="02000000000000000000" pitchFamily="2" charset="0"/>
+              </a:rPr>
+              <a:t> </a:t>
+            </a:r>
+            <a:r>
+              <a:rPr lang="en-US" dirty="0" err="1">
+                <a:solidFill>
+                  <a:schemeClr val="tx1">
+                    <a:lumMod val="50000"/>
+                    <a:lumOff val="50000"/>
+                  </a:schemeClr>
+                </a:solidFill>
+                <a:latin typeface="Roboto Condensed Light" panose="02000000000000000000" pitchFamily="2" charset="0"/>
+                <a:ea typeface="Roboto Condensed Light" panose="02000000000000000000" pitchFamily="2" charset="0"/>
+                <a:cs typeface="Roboto Condensed Light" panose="02000000000000000000" pitchFamily="2" charset="0"/>
+              </a:rPr>
+              <a:t>ut</a:t>
+            </a:r>
+            <a:r>
+              <a:rPr lang="en-US" dirty="0">
+                <a:solidFill>
+                  <a:schemeClr val="tx1">
+                    <a:lumMod val="50000"/>
+                    <a:lumOff val="50000"/>
+                  </a:schemeClr>
+                </a:solidFill>
+                <a:latin typeface="Roboto Condensed Light" panose="02000000000000000000" pitchFamily="2" charset="0"/>
+                <a:ea typeface="Roboto Condensed Light" panose="02000000000000000000" pitchFamily="2" charset="0"/>
+                <a:cs typeface="Roboto Condensed Light" panose="02000000000000000000" pitchFamily="2" charset="0"/>
+              </a:rPr>
+              <a:t> </a:t>
+            </a:r>
+            <a:r>
+              <a:rPr lang="en-US" dirty="0" err="1">
+                <a:solidFill>
+                  <a:schemeClr val="tx1">
+                    <a:lumMod val="50000"/>
+                    <a:lumOff val="50000"/>
+                  </a:schemeClr>
+                </a:solidFill>
+                <a:latin typeface="Roboto Condensed Light" panose="02000000000000000000" pitchFamily="2" charset="0"/>
+                <a:ea typeface="Roboto Condensed Light" panose="02000000000000000000" pitchFamily="2" charset="0"/>
+                <a:cs typeface="Roboto Condensed Light" panose="02000000000000000000" pitchFamily="2" charset="0"/>
+              </a:rPr>
+              <a:t>labore</a:t>
+            </a:r>
+            <a:r>
+              <a:rPr lang="en-US" dirty="0">
+                <a:solidFill>
+                  <a:schemeClr val="tx1">
+                    <a:lumMod val="50000"/>
+                    <a:lumOff val="50000"/>
+                  </a:schemeClr>
+                </a:solidFill>
+                <a:latin typeface="Roboto Condensed Light" panose="02000000000000000000" pitchFamily="2" charset="0"/>
+                <a:ea typeface="Roboto Condensed Light" panose="02000000000000000000" pitchFamily="2" charset="0"/>
+                <a:cs typeface="Roboto Condensed Light" panose="02000000000000000000" pitchFamily="2" charset="0"/>
+              </a:rPr>
+              <a:t> et </a:t>
+            </a:r>
+            <a:r>
+              <a:rPr lang="en-US" dirty="0" err="1">
+                <a:solidFill>
+                  <a:schemeClr val="tx1">
+                    <a:lumMod val="50000"/>
+                    <a:lumOff val="50000"/>
+                  </a:schemeClr>
+                </a:solidFill>
+                <a:latin typeface="Roboto Condensed Light" panose="02000000000000000000" pitchFamily="2" charset="0"/>
+                <a:ea typeface="Roboto Condensed Light" panose="02000000000000000000" pitchFamily="2" charset="0"/>
+                <a:cs typeface="Roboto Condensed Light" panose="02000000000000000000" pitchFamily="2" charset="0"/>
+              </a:rPr>
+              <a:t>dolore</a:t>
+            </a:r>
+            <a:r>
+              <a:rPr lang="en-US" dirty="0">
+                <a:solidFill>
+                  <a:schemeClr val="tx1">
+                    <a:lumMod val="50000"/>
+                    <a:lumOff val="50000"/>
+                  </a:schemeClr>
+                </a:solidFill>
+                <a:latin typeface="Roboto Condensed Light" panose="02000000000000000000" pitchFamily="2" charset="0"/>
+                <a:ea typeface="Roboto Condensed Light" panose="02000000000000000000" pitchFamily="2" charset="0"/>
+                <a:cs typeface="Roboto Condensed Light" panose="02000000000000000000" pitchFamily="2" charset="0"/>
+              </a:rPr>
+              <a:t> magna </a:t>
+            </a:r>
+            <a:r>
+              <a:rPr lang="en-US" dirty="0" err="1">
+                <a:solidFill>
+                  <a:schemeClr val="tx1">
+                    <a:lumMod val="50000"/>
+                    <a:lumOff val="50000"/>
+                  </a:schemeClr>
+                </a:solidFill>
+                <a:latin typeface="Roboto Condensed Light" panose="02000000000000000000" pitchFamily="2" charset="0"/>
+                <a:ea typeface="Roboto Condensed Light" panose="02000000000000000000" pitchFamily="2" charset="0"/>
+                <a:cs typeface="Roboto Condensed Light" panose="02000000000000000000" pitchFamily="2" charset="0"/>
+              </a:rPr>
+              <a:t>aliqua</a:t>
+            </a:r>
+            <a:r>
+              <a:rPr lang="en-US" dirty="0">
+                <a:solidFill>
+                  <a:schemeClr val="tx1">
+                    <a:lumMod val="50000"/>
+                    <a:lumOff val="50000"/>
+                  </a:schemeClr>
+                </a:solidFill>
+                <a:latin typeface="Roboto Condensed Light" panose="02000000000000000000" pitchFamily="2" charset="0"/>
+                <a:ea typeface="Roboto Condensed Light" panose="02000000000000000000" pitchFamily="2" charset="0"/>
+                <a:cs typeface="Roboto Condensed Light" panose="02000000000000000000" pitchFamily="2" charset="0"/>
+              </a:rPr>
+              <a:t>. </a:t>
+            </a:r>
+            <a:r>
+              <a:rPr lang="en-US" dirty="0" err="1">
+                <a:solidFill>
+                  <a:schemeClr val="tx1">
+                    <a:lumMod val="50000"/>
+                    <a:lumOff val="50000"/>
+                  </a:schemeClr>
+                </a:solidFill>
+                <a:latin typeface="Roboto Condensed Light" panose="02000000000000000000" pitchFamily="2" charset="0"/>
+                <a:ea typeface="Roboto Condensed Light" panose="02000000000000000000" pitchFamily="2" charset="0"/>
+                <a:cs typeface="Roboto Condensed Light" panose="02000000000000000000" pitchFamily="2" charset="0"/>
+              </a:rPr>
+              <a:t>Ut</a:t>
+            </a:r>
+            <a:r>
+              <a:rPr lang="en-US" dirty="0">
+                <a:solidFill>
+                  <a:schemeClr val="tx1">
+                    <a:lumMod val="50000"/>
+                    <a:lumOff val="50000"/>
+                  </a:schemeClr>
+                </a:solidFill>
+                <a:latin typeface="Roboto Condensed Light" panose="02000000000000000000" pitchFamily="2" charset="0"/>
+                <a:ea typeface="Roboto Condensed Light" panose="02000000000000000000" pitchFamily="2" charset="0"/>
+                <a:cs typeface="Roboto Condensed Light" panose="02000000000000000000" pitchFamily="2" charset="0"/>
+              </a:rPr>
+              <a:t> </a:t>
+            </a:r>
+            <a:r>
+              <a:rPr lang="en-US" dirty="0" err="1">
+                <a:solidFill>
+                  <a:schemeClr val="tx1">
+                    <a:lumMod val="50000"/>
+                    <a:lumOff val="50000"/>
+                  </a:schemeClr>
+                </a:solidFill>
+                <a:latin typeface="Roboto Condensed Light" panose="02000000000000000000" pitchFamily="2" charset="0"/>
+                <a:ea typeface="Roboto Condensed Light" panose="02000000000000000000" pitchFamily="2" charset="0"/>
+                <a:cs typeface="Roboto Condensed Light" panose="02000000000000000000" pitchFamily="2" charset="0"/>
+              </a:rPr>
+              <a:t>enim</a:t>
+            </a:r>
+            <a:r>
+              <a:rPr lang="en-US" dirty="0">
+                <a:solidFill>
+                  <a:schemeClr val="tx1">
+                    <a:lumMod val="50000"/>
+                    <a:lumOff val="50000"/>
+                  </a:schemeClr>
+                </a:solidFill>
+                <a:latin typeface="Roboto Condensed Light" panose="02000000000000000000" pitchFamily="2" charset="0"/>
+                <a:ea typeface="Roboto Condensed Light" panose="02000000000000000000" pitchFamily="2" charset="0"/>
+                <a:cs typeface="Roboto Condensed Light" panose="02000000000000000000" pitchFamily="2" charset="0"/>
+              </a:rPr>
+              <a:t> ad minim </a:t>
+            </a:r>
+            <a:r>
+              <a:rPr lang="en-US" dirty="0" err="1">
+                <a:solidFill>
+                  <a:schemeClr val="tx1">
+                    <a:lumMod val="50000"/>
+                    <a:lumOff val="50000"/>
+                  </a:schemeClr>
+                </a:solidFill>
+                <a:latin typeface="Roboto Condensed Light" panose="02000000000000000000" pitchFamily="2" charset="0"/>
+                <a:ea typeface="Roboto Condensed Light" panose="02000000000000000000" pitchFamily="2" charset="0"/>
+                <a:cs typeface="Roboto Condensed Light" panose="02000000000000000000" pitchFamily="2" charset="0"/>
+              </a:rPr>
+              <a:t>veniam</a:t>
+            </a:r>
+            <a:r>
+              <a:rPr lang="en-US" dirty="0">
+                <a:solidFill>
+                  <a:schemeClr val="tx1">
+                    <a:lumMod val="50000"/>
+                    <a:lumOff val="50000"/>
+                  </a:schemeClr>
+                </a:solidFill>
+                <a:latin typeface="Roboto Condensed Light" panose="02000000000000000000" pitchFamily="2" charset="0"/>
+                <a:ea typeface="Roboto Condensed Light" panose="02000000000000000000" pitchFamily="2" charset="0"/>
+                <a:cs typeface="Roboto Condensed Light" panose="02000000000000000000" pitchFamily="2" charset="0"/>
+              </a:rPr>
+              <a:t>, </a:t>
+            </a:r>
+            <a:r>
+              <a:rPr lang="en-US" dirty="0" err="1">
+                <a:solidFill>
+                  <a:schemeClr val="tx1">
+                    <a:lumMod val="50000"/>
+                    <a:lumOff val="50000"/>
+                  </a:schemeClr>
+                </a:solidFill>
+                <a:latin typeface="Roboto Condensed Light" panose="02000000000000000000" pitchFamily="2" charset="0"/>
+                <a:ea typeface="Roboto Condensed Light" panose="02000000000000000000" pitchFamily="2" charset="0"/>
+                <a:cs typeface="Roboto Condensed Light" panose="02000000000000000000" pitchFamily="2" charset="0"/>
+              </a:rPr>
+              <a:t>quis</a:t>
+            </a:r>
+            <a:r>
+              <a:rPr lang="en-US" dirty="0">
+                <a:solidFill>
+                  <a:schemeClr val="tx1">
+                    <a:lumMod val="50000"/>
+                    <a:lumOff val="50000"/>
+                  </a:schemeClr>
+                </a:solidFill>
+                <a:latin typeface="Roboto Condensed Light" panose="02000000000000000000" pitchFamily="2" charset="0"/>
+                <a:ea typeface="Roboto Condensed Light" panose="02000000000000000000" pitchFamily="2" charset="0"/>
+                <a:cs typeface="Roboto Condensed Light" panose="02000000000000000000" pitchFamily="2" charset="0"/>
+              </a:rPr>
+              <a:t> </a:t>
+            </a:r>
+            <a:r>
+              <a:rPr lang="en-US" dirty="0" err="1">
+                <a:solidFill>
+                  <a:schemeClr val="tx1">
+                    <a:lumMod val="50000"/>
+                    <a:lumOff val="50000"/>
+                  </a:schemeClr>
+                </a:solidFill>
+                <a:latin typeface="Roboto Condensed Light" panose="02000000000000000000" pitchFamily="2" charset="0"/>
+                <a:ea typeface="Roboto Condensed Light" panose="02000000000000000000" pitchFamily="2" charset="0"/>
+                <a:cs typeface="Roboto Condensed Light" panose="02000000000000000000" pitchFamily="2" charset="0"/>
+              </a:rPr>
+              <a:t>nostrud</a:t>
+            </a:r>
+            <a:r>
+              <a:rPr lang="en-US" dirty="0">
+                <a:solidFill>
+                  <a:schemeClr val="tx1">
+                    <a:lumMod val="50000"/>
+                    <a:lumOff val="50000"/>
+                  </a:schemeClr>
+                </a:solidFill>
+                <a:latin typeface="Roboto Condensed Light" panose="02000000000000000000" pitchFamily="2" charset="0"/>
+                <a:ea typeface="Roboto Condensed Light" panose="02000000000000000000" pitchFamily="2" charset="0"/>
+                <a:cs typeface="Roboto Condensed Light" panose="02000000000000000000" pitchFamily="2" charset="0"/>
+              </a:rPr>
+              <a:t> exercitation </a:t>
+            </a:r>
+            <a:r>
+              <a:rPr lang="en-US" dirty="0" err="1">
+                <a:solidFill>
+                  <a:schemeClr val="tx1">
+                    <a:lumMod val="50000"/>
+                    <a:lumOff val="50000"/>
+                  </a:schemeClr>
+                </a:solidFill>
+                <a:latin typeface="Roboto Condensed Light" panose="02000000000000000000" pitchFamily="2" charset="0"/>
+                <a:ea typeface="Roboto Condensed Light" panose="02000000000000000000" pitchFamily="2" charset="0"/>
+                <a:cs typeface="Roboto Condensed Light" panose="02000000000000000000" pitchFamily="2" charset="0"/>
+              </a:rPr>
+              <a:t>ullamco</a:t>
+            </a:r>
+            <a:r>
+              <a:rPr lang="en-US" dirty="0">
+                <a:solidFill>
+                  <a:schemeClr val="tx1">
+                    <a:lumMod val="50000"/>
+                    <a:lumOff val="50000"/>
+                  </a:schemeClr>
+                </a:solidFill>
+                <a:latin typeface="Roboto Condensed Light" panose="02000000000000000000" pitchFamily="2" charset="0"/>
+                <a:ea typeface="Roboto Condensed Light" panose="02000000000000000000" pitchFamily="2" charset="0"/>
+                <a:cs typeface="Roboto Condensed Light" panose="02000000000000000000" pitchFamily="2" charset="0"/>
+              </a:rPr>
+              <a:t> </a:t>
+            </a:r>
+            <a:r>
+              <a:rPr lang="en-US" dirty="0" err="1">
+                <a:solidFill>
+                  <a:schemeClr val="tx1">
+                    <a:lumMod val="50000"/>
+                    <a:lumOff val="50000"/>
+                  </a:schemeClr>
+                </a:solidFill>
+                <a:latin typeface="Roboto Condensed Light" panose="02000000000000000000" pitchFamily="2" charset="0"/>
+                <a:ea typeface="Roboto Condensed Light" panose="02000000000000000000" pitchFamily="2" charset="0"/>
+                <a:cs typeface="Roboto Condensed Light" panose="02000000000000000000" pitchFamily="2" charset="0"/>
+              </a:rPr>
+              <a:t>laboris</a:t>
+            </a:r>
+            <a:r>
+              <a:rPr lang="en-US" dirty="0">
+                <a:solidFill>
+                  <a:schemeClr val="tx1">
+                    <a:lumMod val="50000"/>
+                    <a:lumOff val="50000"/>
+                  </a:schemeClr>
+                </a:solidFill>
+                <a:latin typeface="Roboto Condensed Light" panose="02000000000000000000" pitchFamily="2" charset="0"/>
+                <a:ea typeface="Roboto Condensed Light" panose="02000000000000000000" pitchFamily="2" charset="0"/>
+                <a:cs typeface="Roboto Condensed Light" panose="02000000000000000000" pitchFamily="2" charset="0"/>
+              </a:rPr>
+              <a:t> nisi </a:t>
+            </a:r>
+            <a:r>
+              <a:rPr lang="en-US" dirty="0" err="1">
+                <a:solidFill>
+                  <a:schemeClr val="tx1">
+                    <a:lumMod val="50000"/>
+                    <a:lumOff val="50000"/>
+                  </a:schemeClr>
+                </a:solidFill>
+                <a:latin typeface="Roboto Condensed Light" panose="02000000000000000000" pitchFamily="2" charset="0"/>
+                <a:ea typeface="Roboto Condensed Light" panose="02000000000000000000" pitchFamily="2" charset="0"/>
+                <a:cs typeface="Roboto Condensed Light" panose="02000000000000000000" pitchFamily="2" charset="0"/>
+              </a:rPr>
+              <a:t>ut</a:t>
+            </a:r>
+            <a:r>
+              <a:rPr lang="en-US" dirty="0">
+                <a:solidFill>
+                  <a:schemeClr val="tx1">
+                    <a:lumMod val="50000"/>
+                    <a:lumOff val="50000"/>
+                  </a:schemeClr>
+                </a:solidFill>
+                <a:latin typeface="Roboto Condensed Light" panose="02000000000000000000" pitchFamily="2" charset="0"/>
+                <a:ea typeface="Roboto Condensed Light" panose="02000000000000000000" pitchFamily="2" charset="0"/>
+                <a:cs typeface="Roboto Condensed Light" panose="02000000000000000000" pitchFamily="2" charset="0"/>
+              </a:rPr>
+              <a:t> </a:t>
+            </a:r>
+            <a:r>
+              <a:rPr lang="en-US" dirty="0" err="1">
+                <a:solidFill>
+                  <a:schemeClr val="tx1">
+                    <a:lumMod val="50000"/>
+                    <a:lumOff val="50000"/>
+                  </a:schemeClr>
+                </a:solidFill>
+                <a:latin typeface="Roboto Condensed Light" panose="02000000000000000000" pitchFamily="2" charset="0"/>
+                <a:ea typeface="Roboto Condensed Light" panose="02000000000000000000" pitchFamily="2" charset="0"/>
+                <a:cs typeface="Roboto Condensed Light" panose="02000000000000000000" pitchFamily="2" charset="0"/>
+              </a:rPr>
+              <a:t>aliquip</a:t>
+            </a:r>
+            <a:r>
+              <a:rPr lang="en-US" dirty="0">
+                <a:solidFill>
+                  <a:schemeClr val="tx1">
+                    <a:lumMod val="50000"/>
+                    <a:lumOff val="50000"/>
+                  </a:schemeClr>
+                </a:solidFill>
+                <a:latin typeface="Roboto Condensed Light" panose="02000000000000000000" pitchFamily="2" charset="0"/>
+                <a:ea typeface="Roboto Condensed Light" panose="02000000000000000000" pitchFamily="2" charset="0"/>
+                <a:cs typeface="Roboto Condensed Light" panose="02000000000000000000" pitchFamily="2" charset="0"/>
+              </a:rPr>
+              <a:t> ex </a:t>
+            </a:r>
+            <a:r>
+              <a:rPr lang="en-US" dirty="0" err="1">
+                <a:solidFill>
+                  <a:schemeClr val="tx1">
+                    <a:lumMod val="50000"/>
+                    <a:lumOff val="50000"/>
+                  </a:schemeClr>
+                </a:solidFill>
+                <a:latin typeface="Roboto Condensed Light" panose="02000000000000000000" pitchFamily="2" charset="0"/>
+                <a:ea typeface="Roboto Condensed Light" panose="02000000000000000000" pitchFamily="2" charset="0"/>
+                <a:cs typeface="Roboto Condensed Light" panose="02000000000000000000" pitchFamily="2" charset="0"/>
+              </a:rPr>
+              <a:t>ea</a:t>
+            </a:r>
+            <a:r>
+              <a:rPr lang="en-US" dirty="0">
+                <a:solidFill>
+                  <a:schemeClr val="tx1">
+                    <a:lumMod val="50000"/>
+                    <a:lumOff val="50000"/>
+                  </a:schemeClr>
+                </a:solidFill>
+                <a:latin typeface="Roboto Condensed Light" panose="02000000000000000000" pitchFamily="2" charset="0"/>
+                <a:ea typeface="Roboto Condensed Light" panose="02000000000000000000" pitchFamily="2" charset="0"/>
+                <a:cs typeface="Roboto Condensed Light" panose="02000000000000000000" pitchFamily="2" charset="0"/>
+              </a:rPr>
+              <a:t> </a:t>
+            </a:r>
+            <a:r>
+              <a:rPr lang="en-US" dirty="0" err="1">
+                <a:solidFill>
+                  <a:schemeClr val="tx1">
+                    <a:lumMod val="50000"/>
+                    <a:lumOff val="50000"/>
+                  </a:schemeClr>
+                </a:solidFill>
+                <a:latin typeface="Roboto Condensed Light" panose="02000000000000000000" pitchFamily="2" charset="0"/>
+                <a:ea typeface="Roboto Condensed Light" panose="02000000000000000000" pitchFamily="2" charset="0"/>
+                <a:cs typeface="Roboto Condensed Light" panose="02000000000000000000" pitchFamily="2" charset="0"/>
+              </a:rPr>
+              <a:t>commodo</a:t>
+            </a:r>
+            <a:r>
+              <a:rPr lang="en-US" dirty="0">
+                <a:solidFill>
+                  <a:schemeClr val="tx1">
+                    <a:lumMod val="50000"/>
+                    <a:lumOff val="50000"/>
+                  </a:schemeClr>
+                </a:solidFill>
+                <a:latin typeface="Roboto Condensed Light" panose="02000000000000000000" pitchFamily="2" charset="0"/>
+                <a:ea typeface="Roboto Condensed Light" panose="02000000000000000000" pitchFamily="2" charset="0"/>
+                <a:cs typeface="Roboto Condensed Light" panose="02000000000000000000" pitchFamily="2" charset="0"/>
+              </a:rPr>
+              <a:t> </a:t>
+            </a:r>
+            <a:r>
+              <a:rPr lang="en-US" dirty="0" err="1">
+                <a:solidFill>
+                  <a:schemeClr val="tx1">
+                    <a:lumMod val="50000"/>
+                    <a:lumOff val="50000"/>
+                  </a:schemeClr>
+                </a:solidFill>
+                <a:latin typeface="Roboto Condensed Light" panose="02000000000000000000" pitchFamily="2" charset="0"/>
+                <a:ea typeface="Roboto Condensed Light" panose="02000000000000000000" pitchFamily="2" charset="0"/>
+                <a:cs typeface="Roboto Condensed Light" panose="02000000000000000000" pitchFamily="2" charset="0"/>
+              </a:rPr>
+              <a:t>consequat</a:t>
+            </a:r>
+            <a:r>
+              <a:rPr lang="en-US" dirty="0">
+                <a:solidFill>
+                  <a:schemeClr val="tx1">
+                    <a:lumMod val="50000"/>
+                    <a:lumOff val="50000"/>
+                  </a:schemeClr>
+                </a:solidFill>
+                <a:latin typeface="Roboto Condensed Light" panose="02000000000000000000" pitchFamily="2" charset="0"/>
+                <a:ea typeface="Roboto Condensed Light" panose="02000000000000000000" pitchFamily="2" charset="0"/>
+                <a:cs typeface="Roboto Condensed Light" panose="02000000000000000000" pitchFamily="2" charset="0"/>
+              </a:rPr>
+              <a:t>. </a:t>
+            </a:r>
+          </a:p>
+        </p:txBody>
+      </p:sp>
+      <p:sp>
+        <p:nvSpPr>
+          <p:cNvPr id="14" name="TextBox 13"/>
+          <p:cNvSpPr txBox="1"/>
+          <p:nvPr/>
+        </p:nvSpPr>
+        <p:spPr>
+          <a:xfrm>
+            <a:off x="606955" y="2236789"/>
+            <a:ext cx="1202275" cy="307777"/>
+          </a:xfrm>
+          <a:prstGeom prst="rect">
+            <a:avLst/>
+          </a:prstGeom>
+          <a:noFill/>
+        </p:spPr>
+        <p:txBody>
+          <a:bodyPr wrap="square" rtlCol="0">
+            <a:spAutoFit/>
+          </a:bodyPr>
+          <a:lstStyle/>
+          <a:p>
+            <a:pPr algn="ctr"/>
+            <a:r>
+              <a:rPr lang="en-US" sz="1400" u="sng" smtClean="0">
+                <a:solidFill>
+                  <a:schemeClr val="accent1">
+                    <a:lumMod val="75000"/>
+                  </a:schemeClr>
+                </a:solidFill>
+                <a:latin typeface="Roboto Condensed" panose="02000000000000000000" pitchFamily="2" charset="0"/>
+                <a:ea typeface="Roboto Condensed" panose="02000000000000000000" pitchFamily="2" charset="0"/>
+                <a:cs typeface="Roboto Condensed" panose="02000000000000000000" pitchFamily="2" charset="0"/>
+              </a:rPr>
+              <a:t>Q&amp;A</a:t>
+            </a:r>
+            <a:endParaRPr lang="en-US" sz="1400" u="sng" smtClean="0">
+              <a:solidFill>
+                <a:schemeClr val="accent1">
+                  <a:lumMod val="75000"/>
+                </a:schemeClr>
+              </a:solidFill>
+              <a:latin typeface="Roboto Condensed" panose="02000000000000000000" pitchFamily="2" charset="0"/>
+              <a:ea typeface="Roboto Condensed" panose="02000000000000000000" pitchFamily="2" charset="0"/>
+              <a:cs typeface="Roboto Condensed" panose="02000000000000000000" pitchFamily="2" charset="0"/>
+            </a:endParaRPr>
+          </a:p>
+        </p:txBody>
+      </p:sp>
+      <p:pic>
+        <p:nvPicPr>
+          <p:cNvPr id="3074" name="Picture 2" descr="http://www3.canyons.edu/Offices/PIO/CanyonsPAC/Resources/q%26a_icon.png"/>
+          <p:cNvPicPr>
+            <a:picLocks noChangeAspect="1" noChangeArrowheads="1"/>
+          </p:cNvPicPr>
+          <p:nvPr/>
+        </p:nvPicPr>
+        <p:blipFill>
+          <a:blip r:embed="rId5" cstate="print">
+            <a:extLst>
+              <a:ext uri="{28A0092B-C50C-407E-A947-70E740481C1C}">
+                <a14:useLocalDpi xmlns:a14="http://schemas.microsoft.com/office/drawing/2010/main" val="0"/>
+              </a:ext>
+            </a:extLst>
+          </a:blip>
+          <a:srcRect/>
+          <a:stretch>
+            <a:fillRect/>
+          </a:stretch>
+        </p:blipFill>
+        <p:spPr bwMode="auto">
+          <a:xfrm>
+            <a:off x="711740" y="1374700"/>
+            <a:ext cx="992703" cy="862089"/>
+          </a:xfrm>
+          <a:prstGeom prst="rect">
+            <a:avLst/>
+          </a:prstGeom>
+          <a:noFill/>
+          <a:extLst>
+            <a:ext uri="{909E8E84-426E-40DD-AFC4-6F175D3DCCD1}">
+              <a14:hiddenFill xmlns:a14="http://schemas.microsoft.com/office/drawing/2010/main">
+                <a:solidFill>
+                  <a:srgbClr val="FFFFFF"/>
+                </a:solidFill>
+              </a14:hiddenFill>
+            </a:ext>
+          </a:extLst>
+        </p:spPr>
+      </p:pic>
+    </p:spTree>
+    <p:custDataLst>
+      <p:tags r:id="rId1"/>
+    </p:custDataLst>
+    <p:extLst>
+      <p:ext uri="{BB962C8B-B14F-4D97-AF65-F5344CB8AC3E}">
+        <p14:creationId xmlns:p14="http://schemas.microsoft.com/office/powerpoint/2010/main" val="3477498222"/>
+      </p:ext>
+    </p:extLst>
+  </p:cSld>
+  <p:clrMapOvr>
+    <a:masterClrMapping/>
+  </p:clrMapOvr>
+  <p:timing>
+    <p:tnLst>
+      <p:par>
+        <p:cTn id="1" dur="indefinite" restart="never" nodeType="tmRoot">
+          <p:childTnLst>
+            <p:seq concurrent="1" nextAc="seek">
+              <p:cTn id="2" dur="indefinite" nodeType="mainSeq">
+                <p:childTnLst>
+                  <p:par>
+                    <p:cTn id="3" fill="hold">
+                      <p:stCondLst>
+                        <p:cond delay="indefinite"/>
+                        <p:cond evt="onBegin" delay="0">
+                          <p:tn val="2"/>
+                        </p:cond>
+                      </p:stCondLst>
+                      <p:childTnLst>
+                        <p:par>
+                          <p:cTn id="4" fill="hold">
+                            <p:stCondLst>
+                              <p:cond delay="0"/>
+                            </p:stCondLst>
+                            <p:childTnLst>
+                              <p:par>
+                                <p:cTn id="5" presetID="10" presetClass="entr" presetSubtype="0" fill="hold" grpId="0" nodeType="withEffect">
+                                  <p:stCondLst>
+                                    <p:cond delay="0"/>
+                                  </p:stCondLst>
+                                  <p:childTnLst>
+                                    <p:set>
+                                      <p:cBhvr>
+                                        <p:cTn id="6" dur="1" fill="hold">
+                                          <p:stCondLst>
+                                            <p:cond delay="0"/>
+                                          </p:stCondLst>
+                                        </p:cTn>
+                                        <p:tgtEl>
+                                          <p:spTgt spid="9"/>
+                                        </p:tgtEl>
+                                        <p:attrNameLst>
+                                          <p:attrName>style.visibility</p:attrName>
+                                        </p:attrNameLst>
+                                      </p:cBhvr>
+                                      <p:to>
+                                        <p:strVal val="visible"/>
+                                      </p:to>
+                                    </p:set>
+                                    <p:animEffect transition="in" filter="fade">
+                                      <p:cBhvr>
+                                        <p:cTn id="7" dur="500"/>
+                                        <p:tgtEl>
+                                          <p:spTgt spid="9"/>
+                                        </p:tgtEl>
+                                      </p:cBhvr>
+                                    </p:animEffect>
+                                  </p:childTnLst>
+                                </p:cTn>
+                              </p:par>
+                              <p:par>
+                                <p:cTn id="8" presetID="10" presetClass="entr" presetSubtype="0" fill="hold" grpId="0" nodeType="withEffect">
+                                  <p:stCondLst>
+                                    <p:cond delay="0"/>
+                                  </p:stCondLst>
+                                  <p:childTnLst>
+                                    <p:set>
+                                      <p:cBhvr>
+                                        <p:cTn id="9" dur="1" fill="hold">
+                                          <p:stCondLst>
+                                            <p:cond delay="0"/>
+                                          </p:stCondLst>
+                                        </p:cTn>
+                                        <p:tgtEl>
+                                          <p:spTgt spid="10"/>
+                                        </p:tgtEl>
+                                        <p:attrNameLst>
+                                          <p:attrName>style.visibility</p:attrName>
+                                        </p:attrNameLst>
+                                      </p:cBhvr>
+                                      <p:to>
+                                        <p:strVal val="visible"/>
+                                      </p:to>
+                                    </p:set>
+                                    <p:animEffect transition="in" filter="fade">
+                                      <p:cBhvr>
+                                        <p:cTn id="10" dur="500"/>
+                                        <p:tgtEl>
+                                          <p:spTgt spid="10"/>
+                                        </p:tgtEl>
+                                      </p:cBhvr>
+                                    </p:animEffect>
+                                  </p:childTnLst>
+                                </p:cTn>
+                              </p:par>
+                            </p:childTnLst>
+                          </p:cTn>
+                        </p:par>
+                      </p:childTnLst>
+                    </p:cTn>
+                  </p:par>
+                </p:childTnLst>
+              </p:cTn>
+              <p:prevCondLst>
+                <p:cond evt="onPrev" delay="0">
+                  <p:tgtEl>
+                    <p:sldTgt/>
+                  </p:tgtEl>
+                </p:cond>
+              </p:prevCondLst>
+              <p:nextCondLst>
+                <p:cond evt="onNext" delay="0">
+                  <p:tgtEl>
+                    <p:sldTgt/>
+                  </p:tgtEl>
+                </p:cond>
+              </p:nextCondLst>
+            </p:seq>
+          </p:childTnLst>
+        </p:cTn>
+      </p:par>
+    </p:tnLst>
+    <p:bldLst>
+      <p:bldP spid="9" grpId="0"/>
+      <p:bldP spid="10" grpId="0"/>
+    </p:bldLst>
+  </p:timing>
+</p:sld>
+</file>
+
+<file path=ppt/slides/slide11.xml><?xml version="1.0" encoding="utf-8"?>
+<p:sld xmlns:a="http://schemas.openxmlformats.org/drawingml/2006/main" xmlns:r="http://schemas.openxmlformats.org/officeDocument/2006/relationships" xmlns:p="http://schemas.openxmlformats.org/presentationml/2006/main">
+  <p:cSld>
     <p:bg>
       <p:bgPr>
         <a:solidFill>
@@ -10039,7 +11402,7 @@
 </p:sld>
 </file>
 
-<file path=ppt/slides/slide11.xml><?xml version="1.0" encoding="utf-8"?>
+<file path=ppt/slides/slide12.xml><?xml version="1.0" encoding="utf-8"?>
 <p:sld xmlns:a="http://schemas.openxmlformats.org/drawingml/2006/main" xmlns:r="http://schemas.openxmlformats.org/officeDocument/2006/relationships" xmlns:p="http://schemas.openxmlformats.org/presentationml/2006/main">
   <p:cSld>
     <p:bg>
@@ -11570,7 +12933,7 @@
 </p:sld>
 </file>
 
-<file path=ppt/slides/slide12.xml><?xml version="1.0" encoding="utf-8"?>
+<file path=ppt/slides/slide13.xml><?xml version="1.0" encoding="utf-8"?>
 <p:sld xmlns:a="http://schemas.openxmlformats.org/drawingml/2006/main" xmlns:r="http://schemas.openxmlformats.org/officeDocument/2006/relationships" xmlns:p="http://schemas.openxmlformats.org/presentationml/2006/main">
   <p:cSld>
     <p:bg>
@@ -13093,7 +14456,7 @@
 </p:sld>
 </file>
 
-<file path=ppt/slides/slide13.xml><?xml version="1.0" encoding="utf-8"?>
+<file path=ppt/slides/slide14.xml><?xml version="1.0" encoding="utf-8"?>
 <p:sld xmlns:a="http://schemas.openxmlformats.org/drawingml/2006/main" xmlns:r="http://schemas.openxmlformats.org/officeDocument/2006/relationships" xmlns:p="http://schemas.openxmlformats.org/presentationml/2006/main">
   <p:cSld>
     <p:bg>
@@ -20214,7 +21577,7 @@
           <a:p>
             <a:pPr algn="ctr"/>
             <a:r>
-              <a:rPr lang="en-US" sz="1400" smtClean="0">
+              <a:rPr lang="en-US" sz="1400" u="sng" smtClean="0">
                 <a:solidFill>
                   <a:schemeClr val="accent1">
                     <a:lumMod val="75000"/>
@@ -21702,7 +23065,7 @@
           <a:p>
             <a:pPr algn="ctr"/>
             <a:r>
-              <a:rPr lang="en-US" sz="1400" smtClean="0">
+              <a:rPr lang="en-US" sz="1400" u="sng" smtClean="0">
                 <a:solidFill>
                   <a:srgbClr val="B18787"/>
                 </a:solidFill>
@@ -21713,7 +23076,7 @@
               <a:t>Project</a:t>
             </a:r>
             <a:r>
-              <a:rPr lang="en-US" sz="1400" smtClean="0">
+              <a:rPr lang="en-US" sz="1400" u="sng" smtClean="0">
                 <a:solidFill>
                   <a:schemeClr val="tx1">
                     <a:lumMod val="50000"/>
@@ -21727,7 +23090,7 @@
               <a:t> </a:t>
             </a:r>
             <a:r>
-              <a:rPr lang="en-US" sz="1400">
+              <a:rPr lang="en-US" sz="1400" u="sng">
                 <a:solidFill>
                   <a:srgbClr val="B18787"/>
                 </a:solidFill>
@@ -21737,7 +23100,7 @@
               </a:rPr>
               <a:t>Management</a:t>
             </a:r>
-            <a:endParaRPr lang="en-US" sz="1400" dirty="0">
+            <a:endParaRPr lang="en-US" sz="1400" u="sng" dirty="0">
               <a:solidFill>
                 <a:srgbClr val="B18787"/>
               </a:solidFill>
@@ -23221,7 +24584,7 @@
           <a:p>
             <a:pPr algn="ctr"/>
             <a:r>
-              <a:rPr lang="en-US" sz="1400" smtClean="0">
+              <a:rPr lang="en-US" sz="1400" u="sng" smtClean="0">
                 <a:solidFill>
                   <a:srgbClr val="DEC05E"/>
                 </a:solidFill>
@@ -23231,7 +24594,7 @@
               </a:rPr>
               <a:t>SRS</a:t>
             </a:r>
-            <a:endParaRPr lang="en-US" sz="1400" dirty="0">
+            <a:endParaRPr lang="en-US" sz="1400" u="sng" dirty="0">
               <a:solidFill>
                 <a:srgbClr val="DEC05E"/>
               </a:solidFill>
@@ -24565,7 +25928,7 @@
           <a:p>
             <a:pPr algn="ctr"/>
             <a:r>
-              <a:rPr lang="en-US" sz="1400" smtClean="0">
+              <a:rPr lang="en-US" sz="1400" u="sng" smtClean="0">
                 <a:solidFill>
                   <a:schemeClr val="accent1">
                     <a:lumMod val="75000"/>
@@ -24575,8 +25938,18 @@
                 <a:ea typeface="Roboto Condensed" panose="02000000000000000000" pitchFamily="2" charset="0"/>
                 <a:cs typeface="Roboto Condensed" panose="02000000000000000000" pitchFamily="2" charset="0"/>
               </a:rPr>
-              <a:t>Introduction</a:t>
-            </a:r>
+              <a:t>SDD</a:t>
+            </a:r>
+            <a:endParaRPr lang="en-US" sz="1400" u="sng" smtClean="0">
+              <a:solidFill>
+                <a:schemeClr val="accent1">
+                  <a:lumMod val="75000"/>
+                </a:schemeClr>
+              </a:solidFill>
+              <a:latin typeface="Roboto Condensed" panose="02000000000000000000" pitchFamily="2" charset="0"/>
+              <a:ea typeface="Roboto Condensed" panose="02000000000000000000" pitchFamily="2" charset="0"/>
+              <a:cs typeface="Roboto Condensed" panose="02000000000000000000" pitchFamily="2" charset="0"/>
+            </a:endParaRPr>
           </a:p>
         </p:txBody>
       </p:sp>
@@ -24615,7 +25988,7 @@
                 <a:ea typeface="Roboto Condensed" panose="02000000000000000000" pitchFamily="2" charset="0"/>
                 <a:cs typeface="Roboto Condensed" panose="02000000000000000000" pitchFamily="2" charset="0"/>
               </a:rPr>
-              <a:t>Project Management</a:t>
+              <a:t>Quality Control</a:t>
             </a:r>
             <a:endParaRPr lang="en-US" sz="1400" dirty="0">
               <a:solidFill>
@@ -24684,7 +26057,7 @@
       </p:sp>
       <p:pic>
         <p:nvPicPr>
-          <p:cNvPr id="17" name="Picture 6" descr="http://carverassoc.com/carver/wp-content/uploads/2014/12/project-mgt-icon-blue.png"/>
+          <p:cNvPr id="19" name="Picture 2" descr="https://cdn0.iconfinder.com/data/icons/seo-smart-pack/128/grey_new_seo3-01-512.png"/>
           <p:cNvPicPr>
             <a:picLocks noChangeAspect="1" noChangeArrowheads="1"/>
           </p:cNvPicPr>
@@ -24705,8 +26078,8 @@
         </p:blipFill>
         <p:spPr bwMode="auto">
           <a:xfrm>
-            <a:off x="874321" y="3085430"/>
-            <a:ext cx="747869" cy="693163"/>
+            <a:off x="777047" y="1350881"/>
+            <a:ext cx="862089" cy="862089"/>
           </a:xfrm>
           <a:prstGeom prst="rect">
             <a:avLst/>
@@ -24725,14 +26098,14 @@
       </p:pic>
       <p:pic>
         <p:nvPicPr>
-          <p:cNvPr id="18" name="Picture 8" descr="http://www.bcitechnology.com.au/wp-content/uploads/2013/05/icon2.png"/>
+          <p:cNvPr id="1026" name="Picture 2" descr="https://cdn3.iconfinder.com/data/icons/box-and-shipping-supplies-icons/447/Clipboard_With_Pencil-512.png"/>
           <p:cNvPicPr>
             <a:picLocks noChangeAspect="1" noChangeArrowheads="1"/>
           </p:cNvPicPr>
           <p:nvPr/>
         </p:nvPicPr>
         <p:blipFill>
-          <a:blip r:embed="rId6">
+          <a:blip r:embed="rId6" cstate="print">
             <a:extLst>
               <a:ext uri="{28A0092B-C50C-407E-A947-70E740481C1C}">
                 <a14:useLocalDpi xmlns:a14="http://schemas.microsoft.com/office/drawing/2010/main" val="0"/>
@@ -24746,8 +26119,8 @@
         </p:blipFill>
         <p:spPr bwMode="auto">
           <a:xfrm>
-            <a:off x="746664" y="4548838"/>
-            <a:ext cx="922858" cy="844152"/>
+            <a:off x="860737" y="3002936"/>
+            <a:ext cx="694708" cy="771563"/>
           </a:xfrm>
           <a:prstGeom prst="rect">
             <a:avLst/>
@@ -24766,7 +26139,7 @@
       </p:pic>
       <p:pic>
         <p:nvPicPr>
-          <p:cNvPr id="19" name="Picture 2" descr="https://cdn0.iconfinder.com/data/icons/seo-smart-pack/128/grey_new_seo3-01-512.png"/>
+          <p:cNvPr id="1028" name="Picture 4" descr="https://www.njoyn.com/wp-content/themes/njoyn/images/demo-icon.png"/>
           <p:cNvPicPr>
             <a:picLocks noChangeAspect="1" noChangeArrowheads="1"/>
           </p:cNvPicPr>
@@ -24787,8 +26160,8 @@
         </p:blipFill>
         <p:spPr bwMode="auto">
           <a:xfrm>
-            <a:off x="777047" y="1350881"/>
-            <a:ext cx="862089" cy="862089"/>
+            <a:off x="823196" y="4657819"/>
+            <a:ext cx="681668" cy="735171"/>
           </a:xfrm>
           <a:prstGeom prst="rect">
             <a:avLst/>
@@ -26027,8 +27400,16 @@
                 <a:ea typeface="Roboto Condensed" panose="02000000000000000000" pitchFamily="2" charset="0"/>
                 <a:cs typeface="Roboto Condensed" panose="02000000000000000000" pitchFamily="2" charset="0"/>
               </a:rPr>
-              <a:t>Introduction</a:t>
-            </a:r>
+              <a:t>SDD</a:t>
+            </a:r>
+            <a:endParaRPr lang="en-US" sz="1400" smtClean="0">
+              <a:solidFill>
+                <a:srgbClr val="7F7F7F"/>
+              </a:solidFill>
+              <a:latin typeface="Roboto Condensed" panose="02000000000000000000" pitchFamily="2" charset="0"/>
+              <a:ea typeface="Roboto Condensed" panose="02000000000000000000" pitchFamily="2" charset="0"/>
+              <a:cs typeface="Roboto Condensed" panose="02000000000000000000" pitchFamily="2" charset="0"/>
+            </a:endParaRPr>
           </a:p>
         </p:txBody>
       </p:sp>
@@ -26056,7 +27437,7 @@
           <a:p>
             <a:pPr algn="ctr"/>
             <a:r>
-              <a:rPr lang="en-US" sz="1400" smtClean="0">
+              <a:rPr lang="en-US" sz="1400" u="sng" smtClean="0">
                 <a:solidFill>
                   <a:srgbClr val="B18787"/>
                 </a:solidFill>
@@ -26064,34 +27445,9 @@
                 <a:ea typeface="Roboto Condensed" panose="02000000000000000000" pitchFamily="2" charset="0"/>
                 <a:cs typeface="Roboto Condensed" panose="02000000000000000000" pitchFamily="2" charset="0"/>
               </a:rPr>
-              <a:t>Project</a:t>
-            </a:r>
-            <a:r>
-              <a:rPr lang="en-US" sz="1400" smtClean="0">
-                <a:solidFill>
-                  <a:schemeClr val="tx1">
-                    <a:lumMod val="50000"/>
-                    <a:lumOff val="50000"/>
-                  </a:schemeClr>
-                </a:solidFill>
-                <a:latin typeface="Roboto Condensed" panose="02000000000000000000" pitchFamily="2" charset="0"/>
-                <a:ea typeface="Roboto Condensed" panose="02000000000000000000" pitchFamily="2" charset="0"/>
-                <a:cs typeface="Roboto Condensed" panose="02000000000000000000" pitchFamily="2" charset="0"/>
-              </a:rPr>
-              <a:t> </a:t>
-            </a:r>
-            <a:r>
-              <a:rPr lang="en-US" sz="1400">
-                <a:solidFill>
-                  <a:srgbClr val="B18787"/>
-                </a:solidFill>
-                <a:latin typeface="Roboto Condensed" panose="02000000000000000000" pitchFamily="2" charset="0"/>
-                <a:ea typeface="Roboto Condensed" panose="02000000000000000000" pitchFamily="2" charset="0"/>
-                <a:cs typeface="Roboto Condensed" panose="02000000000000000000" pitchFamily="2" charset="0"/>
-              </a:rPr>
-              <a:t>Management</a:t>
-            </a:r>
-            <a:endParaRPr lang="en-US" sz="1400" dirty="0">
+              <a:t>Quality Control</a:t>
+            </a:r>
+            <a:endParaRPr lang="en-US" sz="1400" u="sng" dirty="0">
               <a:solidFill>
                 <a:srgbClr val="B18787"/>
               </a:solidFill>
@@ -26155,7 +27511,7 @@
       </p:sp>
       <p:pic>
         <p:nvPicPr>
-          <p:cNvPr id="22" name="Picture 6" descr="http://carverassoc.com/carver/wp-content/uploads/2014/12/project-mgt-icon-blue.png"/>
+          <p:cNvPr id="14" name="Picture 2" descr="https://cdn0.iconfinder.com/data/icons/seo-smart-pack/128/grey_new_seo3-01-512.png"/>
           <p:cNvPicPr>
             <a:picLocks noChangeAspect="1" noChangeArrowheads="1"/>
           </p:cNvPicPr>
@@ -26176,8 +27532,8 @@
         </p:blipFill>
         <p:spPr bwMode="auto">
           <a:xfrm>
-            <a:off x="874321" y="3085430"/>
-            <a:ext cx="747869" cy="693163"/>
+            <a:off x="777047" y="1350881"/>
+            <a:ext cx="862089" cy="862089"/>
           </a:xfrm>
           <a:prstGeom prst="rect">
             <a:avLst/>
@@ -26196,14 +27552,14 @@
       </p:pic>
       <p:pic>
         <p:nvPicPr>
-          <p:cNvPr id="26" name="Picture 8" descr="http://www.bcitechnology.com.au/wp-content/uploads/2013/05/icon2.png"/>
+          <p:cNvPr id="15" name="Picture 2" descr="https://cdn3.iconfinder.com/data/icons/box-and-shipping-supplies-icons/447/Clipboard_With_Pencil-512.png"/>
           <p:cNvPicPr>
             <a:picLocks noChangeAspect="1" noChangeArrowheads="1"/>
           </p:cNvPicPr>
           <p:nvPr/>
         </p:nvPicPr>
         <p:blipFill>
-          <a:blip r:embed="rId6">
+          <a:blip r:embed="rId6" cstate="print">
             <a:extLst>
               <a:ext uri="{28A0092B-C50C-407E-A947-70E740481C1C}">
                 <a14:useLocalDpi xmlns:a14="http://schemas.microsoft.com/office/drawing/2010/main" val="0"/>
@@ -26217,8 +27573,8 @@
         </p:blipFill>
         <p:spPr bwMode="auto">
           <a:xfrm>
-            <a:off x="746664" y="4548838"/>
-            <a:ext cx="922858" cy="844152"/>
+            <a:off x="860737" y="3002936"/>
+            <a:ext cx="694708" cy="771563"/>
           </a:xfrm>
           <a:prstGeom prst="rect">
             <a:avLst/>
@@ -26237,7 +27593,7 @@
       </p:pic>
       <p:pic>
         <p:nvPicPr>
-          <p:cNvPr id="14" name="Picture 2" descr="https://cdn0.iconfinder.com/data/icons/seo-smart-pack/128/grey_new_seo3-01-512.png"/>
+          <p:cNvPr id="18" name="Picture 4" descr="https://www.njoyn.com/wp-content/themes/njoyn/images/demo-icon.png"/>
           <p:cNvPicPr>
             <a:picLocks noChangeAspect="1" noChangeArrowheads="1"/>
           </p:cNvPicPr>
@@ -26258,8 +27614,8 @@
         </p:blipFill>
         <p:spPr bwMode="auto">
           <a:xfrm>
-            <a:off x="777047" y="1350881"/>
-            <a:ext cx="862089" cy="862089"/>
+            <a:off x="823196" y="4657819"/>
+            <a:ext cx="681668" cy="735171"/>
           </a:xfrm>
           <a:prstGeom prst="rect">
             <a:avLst/>
@@ -27498,8 +28854,16 @@
                 <a:ea typeface="Roboto Condensed" panose="02000000000000000000" pitchFamily="2" charset="0"/>
                 <a:cs typeface="Roboto Condensed" panose="02000000000000000000" pitchFamily="2" charset="0"/>
               </a:rPr>
-              <a:t>Introduction</a:t>
-            </a:r>
+              <a:t>SDD</a:t>
+            </a:r>
+            <a:endParaRPr lang="en-US" sz="1400" smtClean="0">
+              <a:solidFill>
+                <a:srgbClr val="7F7F7F"/>
+              </a:solidFill>
+              <a:latin typeface="Roboto Condensed" panose="02000000000000000000" pitchFamily="2" charset="0"/>
+              <a:ea typeface="Roboto Condensed" panose="02000000000000000000" pitchFamily="2" charset="0"/>
+              <a:cs typeface="Roboto Condensed" panose="02000000000000000000" pitchFamily="2" charset="0"/>
+            </a:endParaRPr>
           </a:p>
         </p:txBody>
       </p:sp>
@@ -27538,7 +28902,7 @@
                 <a:ea typeface="Roboto Condensed" panose="02000000000000000000" pitchFamily="2" charset="0"/>
                 <a:cs typeface="Roboto Condensed" panose="02000000000000000000" pitchFamily="2" charset="0"/>
               </a:rPr>
-              <a:t>Project Management</a:t>
+              <a:t>Quality Control</a:t>
             </a:r>
             <a:endParaRPr lang="en-US" sz="1400" dirty="0">
               <a:solidFill>
@@ -27578,7 +28942,7 @@
           <a:p>
             <a:pPr algn="ctr"/>
             <a:r>
-              <a:rPr lang="en-US" sz="1400" smtClean="0">
+              <a:rPr lang="en-US" sz="1400" u="sng" smtClean="0">
                 <a:solidFill>
                   <a:srgbClr val="DEC05E"/>
                 </a:solidFill>
@@ -27588,7 +28952,7 @@
               </a:rPr>
               <a:t>SRS</a:t>
             </a:r>
-            <a:endParaRPr lang="en-US" sz="1400" dirty="0">
+            <a:endParaRPr lang="en-US" sz="1400" u="sng" dirty="0">
               <a:solidFill>
                 <a:srgbClr val="DEC05E"/>
               </a:solidFill>
@@ -27601,7 +28965,7 @@
       </p:sp>
       <p:pic>
         <p:nvPicPr>
-          <p:cNvPr id="24" name="Picture 6" descr="http://carverassoc.com/carver/wp-content/uploads/2014/12/project-mgt-icon-blue.png"/>
+          <p:cNvPr id="26" name="Picture 2" descr="https://cdn0.iconfinder.com/data/icons/seo-smart-pack/128/grey_new_seo3-01-512.png"/>
           <p:cNvPicPr>
             <a:picLocks noChangeAspect="1" noChangeArrowheads="1"/>
           </p:cNvPicPr>
@@ -27622,8 +28986,8 @@
         </p:blipFill>
         <p:spPr bwMode="auto">
           <a:xfrm>
-            <a:off x="874321" y="3085430"/>
-            <a:ext cx="747869" cy="693163"/>
+            <a:off x="777047" y="1350881"/>
+            <a:ext cx="862089" cy="862089"/>
           </a:xfrm>
           <a:prstGeom prst="rect">
             <a:avLst/>
@@ -27642,14 +29006,14 @@
       </p:pic>
       <p:pic>
         <p:nvPicPr>
-          <p:cNvPr id="25" name="Picture 8" descr="http://www.bcitechnology.com.au/wp-content/uploads/2013/05/icon2.png"/>
+          <p:cNvPr id="14" name="Picture 4" descr="https://www.njoyn.com/wp-content/themes/njoyn/images/demo-icon.png"/>
           <p:cNvPicPr>
             <a:picLocks noChangeAspect="1" noChangeArrowheads="1"/>
           </p:cNvPicPr>
           <p:nvPr/>
         </p:nvPicPr>
         <p:blipFill>
-          <a:blip r:embed="rId6">
+          <a:blip r:embed="rId6" cstate="print">
             <a:extLst>
               <a:ext uri="{28A0092B-C50C-407E-A947-70E740481C1C}">
                 <a14:useLocalDpi xmlns:a14="http://schemas.microsoft.com/office/drawing/2010/main" val="0"/>
@@ -27663,8 +29027,8 @@
         </p:blipFill>
         <p:spPr bwMode="auto">
           <a:xfrm>
-            <a:off x="746664" y="4548838"/>
-            <a:ext cx="922858" cy="844152"/>
+            <a:off x="823196" y="4657819"/>
+            <a:ext cx="681668" cy="735171"/>
           </a:xfrm>
           <a:prstGeom prst="rect">
             <a:avLst/>
@@ -27683,7 +29047,7 @@
       </p:pic>
       <p:pic>
         <p:nvPicPr>
-          <p:cNvPr id="26" name="Picture 2" descr="https://cdn0.iconfinder.com/data/icons/seo-smart-pack/128/grey_new_seo3-01-512.png"/>
+          <p:cNvPr id="16" name="Picture 2" descr="https://cdn3.iconfinder.com/data/icons/box-and-shipping-supplies-icons/447/Clipboard_With_Pencil-512.png"/>
           <p:cNvPicPr>
             <a:picLocks noChangeAspect="1" noChangeArrowheads="1"/>
           </p:cNvPicPr>
@@ -27704,8 +29068,8 @@
         </p:blipFill>
         <p:spPr bwMode="auto">
           <a:xfrm>
-            <a:off x="777047" y="1350881"/>
-            <a:ext cx="862089" cy="862089"/>
+            <a:off x="860737" y="3002936"/>
+            <a:ext cx="694708" cy="771563"/>
           </a:xfrm>
           <a:prstGeom prst="rect">
             <a:avLst/>
@@ -27895,6 +29259,23 @@
 
 <file path=ppt/tags/tag11.xml><?xml version="1.0" encoding="utf-8"?>
 <p:tagLst xmlns:a="http://schemas.openxmlformats.org/drawingml/2006/main" xmlns:r="http://schemas.openxmlformats.org/officeDocument/2006/relationships" xmlns:p="http://schemas.openxmlformats.org/presentationml/2006/main">
+  <p:tag name="AUDIO_ID" val="262"/>
+  <p:tag name="ARTICULATE_NAV_LEVEL" val="1"/>
+  <p:tag name="ARTICULATE_TOC_EXPANDED" val="True"/>
+  <p:tag name="ARTICULATE_SLIDE_PRESENTER_GUID" val="f4a5cc51-b9cf-4a3d-899a-cf65374271ca"/>
+  <p:tag name="ARTICULATE_SLIDE_PAUSE" val="1"/>
+  <p:tag name="ARTICULATE_HIDE_SLIDE" val="0"/>
+  <p:tag name="ARTICULATE_PLAYER_CONTROL_PREVIOUS" val="True"/>
+  <p:tag name="ARTICULATE_PLAYER_CONTROL_NEXT" val="True"/>
+  <p:tag name="ARTICULATE_NEXT_BUTTON_ID" val="260"/>
+  <p:tag name="ARTICULATE_PREV_BUTTON_ID" val="259"/>
+  <p:tag name="ARTICULATE_USED_LAYOUT" val="7"/>
+  <p:tag name="ARTICULATE_SLIDE_THUMBNAIL_REFRESH" val="1"/>
+</p:tagLst>
+</file>
+
+<file path=ppt/tags/tag12.xml><?xml version="1.0" encoding="utf-8"?>
+<p:tagLst xmlns:a="http://schemas.openxmlformats.org/drawingml/2006/main" xmlns:r="http://schemas.openxmlformats.org/officeDocument/2006/relationships" xmlns:p="http://schemas.openxmlformats.org/presentationml/2006/main">
   <p:tag name="AUDIO_ID" val="263"/>
   <p:tag name="ARTICULATE_NAV_LEVEL" val="1"/>
   <p:tag name="ARTICULATE_TOC_EXPANDED" val="True"/>
@@ -27909,7 +29290,7 @@
 </p:tagLst>
 </file>
 
-<file path=ppt/tags/tag12.xml><?xml version="1.0" encoding="utf-8"?>
+<file path=ppt/tags/tag13.xml><?xml version="1.0" encoding="utf-8"?>
 <p:tagLst xmlns:a="http://schemas.openxmlformats.org/drawingml/2006/main" xmlns:r="http://schemas.openxmlformats.org/officeDocument/2006/relationships" xmlns:p="http://schemas.openxmlformats.org/presentationml/2006/main">
   <p:tag name="AUDIO_ID" val="264"/>
   <p:tag name="ARTICULATE_NAV_LEVEL" val="1"/>
@@ -27926,7 +29307,7 @@
 </p:tagLst>
 </file>
 
-<file path=ppt/tags/tag13.xml><?xml version="1.0" encoding="utf-8"?>
+<file path=ppt/tags/tag14.xml><?xml version="1.0" encoding="utf-8"?>
 <p:tagLst xmlns:a="http://schemas.openxmlformats.org/drawingml/2006/main" xmlns:r="http://schemas.openxmlformats.org/officeDocument/2006/relationships" xmlns:p="http://schemas.openxmlformats.org/presentationml/2006/main">
   <p:tag name="AUDIO_ID" val="265"/>
   <p:tag name="ARTICULATE_NAV_LEVEL" val="1"/>
@@ -27942,7 +29323,7 @@
 </p:tagLst>
 </file>
 
-<file path=ppt/tags/tag14.xml><?xml version="1.0" encoding="utf-8"?>
+<file path=ppt/tags/tag15.xml><?xml version="1.0" encoding="utf-8"?>
 <p:tagLst xmlns:a="http://schemas.openxmlformats.org/drawingml/2006/main" xmlns:r="http://schemas.openxmlformats.org/officeDocument/2006/relationships" xmlns:p="http://schemas.openxmlformats.org/presentationml/2006/main">
   <p:tag name="AUDIO_ID" val="266"/>
   <p:tag name="ARTICULATE_NAV_LEVEL" val="1"/>
